--- a/write_up/poster/poster_lucamuscat.pptx
+++ b/write_up/poster/poster_lucamuscat.pptx
@@ -942,7 +942,7 @@
               <a:ea typeface="Lato Semibold" panose="020F0502020204030203" pitchFamily="34" charset="0"/>
               <a:cs typeface="Lato Semibold" panose="020F0502020204030203" pitchFamily="34" charset="0"/>
             </a:rPr>
-            <a:t>Mitigate operating system related sources of error.</a:t>
+            <a:t>Mitigate Operating System Related Sources of Error;</a:t>
           </a:r>
         </a:p>
       </dgm:t>
@@ -993,7 +993,7 @@
         <a:p>
           <a:r>
             <a:rPr lang="en-US" sz="1800" dirty="0"/>
-            <a:t>Implement a variety of concurrent queueing algorithms, taking performance considerations into mind.</a:t>
+            <a:t>Implement a Variety of Concurrent Queueing Algorithms;</a:t>
           </a:r>
         </a:p>
       </dgm:t>
@@ -1044,7 +1044,7 @@
         <a:p>
           <a:r>
             <a:rPr lang="en-US" sz="1800" dirty="0"/>
-            <a:t>Take several readings for each queue, through which valid inferences can be made.</a:t>
+            <a:t>Take Several Measurements For Each Queue, Enabling Valid Inferences To Be Made.</a:t>
           </a:r>
         </a:p>
       </dgm:t>
@@ -1090,7 +1090,7 @@
         <a:p>
           <a:r>
             <a:rPr lang="en-US" sz="1800" dirty="0"/>
-            <a:t>Create Benchmarks Resistant to Instrumentation Errors.</a:t>
+            <a:t>Create Benchmarks Resistant to Instrumentation Errors;</a:t>
           </a:r>
         </a:p>
       </dgm:t>
@@ -1239,8 +1239,8 @@
       </dsp:nvSpPr>
       <dsp:spPr>
         <a:xfrm>
-          <a:off x="6171" y="264318"/>
-          <a:ext cx="2698208" cy="1618924"/>
+          <a:off x="6086" y="243231"/>
+          <a:ext cx="2661018" cy="1596610"/>
         </a:xfrm>
         <a:prstGeom prst="roundRect">
           <a:avLst>
@@ -1305,13 +1305,13 @@
               <a:ea typeface="Lato Semibold" panose="020F0502020204030203" pitchFamily="34" charset="0"/>
               <a:cs typeface="Lato Semibold" panose="020F0502020204030203" pitchFamily="34" charset="0"/>
             </a:rPr>
-            <a:t>Mitigate operating system related sources of error.</a:t>
+            <a:t>Mitigate Operating System Related Sources of Error;</a:t>
           </a:r>
         </a:p>
       </dsp:txBody>
       <dsp:txXfrm>
-        <a:off x="53588" y="311735"/>
-        <a:ext cx="2603374" cy="1524090"/>
+        <a:off x="52849" y="289994"/>
+        <a:ext cx="2567492" cy="1503084"/>
       </dsp:txXfrm>
     </dsp:sp>
     <dsp:sp modelId="{37F2F95F-94C5-0345-A1A8-52C1A829AD93}">
@@ -1321,8 +1321,8 @@
       </dsp:nvSpPr>
       <dsp:spPr>
         <a:xfrm>
-          <a:off x="2974200" y="739202"/>
-          <a:ext cx="572020" cy="669155"/>
+          <a:off x="2933205" y="711570"/>
+          <a:ext cx="564135" cy="659932"/>
         </a:xfrm>
         <a:prstGeom prst="rightArrow">
           <a:avLst>
@@ -1378,8 +1378,8 @@
         </a:p>
       </dsp:txBody>
       <dsp:txXfrm>
-        <a:off x="2974200" y="873033"/>
-        <a:ext cx="400414" cy="401493"/>
+        <a:off x="2933205" y="843556"/>
+        <a:ext cx="394895" cy="395960"/>
       </dsp:txXfrm>
     </dsp:sp>
     <dsp:sp modelId="{6F3C7645-1725-554B-B121-4C8334E52F6E}">
@@ -1389,8 +1389,8 @@
       </dsp:nvSpPr>
       <dsp:spPr>
         <a:xfrm>
-          <a:off x="3783662" y="264318"/>
-          <a:ext cx="2698208" cy="1618924"/>
+          <a:off x="3731511" y="243231"/>
+          <a:ext cx="2661018" cy="1596610"/>
         </a:xfrm>
         <a:prstGeom prst="roundRect">
           <a:avLst>
@@ -1444,13 +1444,13 @@
           </a:pPr>
           <a:r>
             <a:rPr lang="en-US" sz="1800" kern="1200" dirty="0"/>
-            <a:t>Create Benchmarks Resistant to Instrumentation Errors.</a:t>
+            <a:t>Create Benchmarks Resistant to Instrumentation Errors;</a:t>
           </a:r>
         </a:p>
       </dsp:txBody>
       <dsp:txXfrm>
-        <a:off x="3831079" y="311735"/>
-        <a:ext cx="2603374" cy="1524090"/>
+        <a:off x="3778274" y="289994"/>
+        <a:ext cx="2567492" cy="1503084"/>
       </dsp:txXfrm>
     </dsp:sp>
     <dsp:sp modelId="{CB52ACBD-5938-FB48-88B7-057084F24704}">
@@ -1460,8 +1460,8 @@
       </dsp:nvSpPr>
       <dsp:spPr>
         <a:xfrm>
-          <a:off x="6751691" y="739202"/>
-          <a:ext cx="572020" cy="669155"/>
+          <a:off x="6658631" y="711570"/>
+          <a:ext cx="564135" cy="659932"/>
         </a:xfrm>
         <a:prstGeom prst="rightArrow">
           <a:avLst>
@@ -1513,8 +1513,8 @@
         </a:p>
       </dsp:txBody>
       <dsp:txXfrm>
-        <a:off x="6751691" y="873033"/>
-        <a:ext cx="400414" cy="401493"/>
+        <a:off x="6658631" y="843556"/>
+        <a:ext cx="394895" cy="395960"/>
       </dsp:txXfrm>
     </dsp:sp>
     <dsp:sp modelId="{A46BDCF8-E4B1-C848-B43D-D863BDB7419E}">
@@ -1524,8 +1524,8 @@
       </dsp:nvSpPr>
       <dsp:spPr>
         <a:xfrm>
-          <a:off x="7561154" y="264318"/>
-          <a:ext cx="2698208" cy="1618924"/>
+          <a:off x="7456936" y="243231"/>
+          <a:ext cx="2661018" cy="1596610"/>
         </a:xfrm>
         <a:prstGeom prst="roundRect">
           <a:avLst>
@@ -1586,13 +1586,13 @@
           </a:pPr>
           <a:r>
             <a:rPr lang="en-US" sz="1800" kern="1200" dirty="0"/>
-            <a:t>Implement a variety of concurrent queueing algorithms, taking performance considerations into mind.</a:t>
+            <a:t>Implement a Variety of Concurrent Queueing Algorithms;</a:t>
           </a:r>
         </a:p>
       </dsp:txBody>
       <dsp:txXfrm>
-        <a:off x="7608571" y="311735"/>
-        <a:ext cx="2603374" cy="1524090"/>
+        <a:off x="7503699" y="289994"/>
+        <a:ext cx="2567492" cy="1503084"/>
       </dsp:txXfrm>
     </dsp:sp>
     <dsp:sp modelId="{7A0AD155-17AB-084B-93C4-F066DDC3EB9B}">
@@ -1602,8 +1602,8 @@
       </dsp:nvSpPr>
       <dsp:spPr>
         <a:xfrm>
-          <a:off x="10530725" y="739202"/>
-          <a:ext cx="575290" cy="669155"/>
+          <a:off x="10385577" y="711570"/>
+          <a:ext cx="567361" cy="659932"/>
         </a:xfrm>
         <a:prstGeom prst="rightArrow">
           <a:avLst>
@@ -1659,8 +1659,8 @@
         </a:p>
       </dsp:txBody>
       <dsp:txXfrm>
-        <a:off x="10530725" y="873033"/>
-        <a:ext cx="402703" cy="401493"/>
+        <a:off x="10385577" y="843556"/>
+        <a:ext cx="397153" cy="395960"/>
       </dsp:txXfrm>
     </dsp:sp>
     <dsp:sp modelId="{B5ED4907-135A-EF48-946C-0B1D0262EF2E}">
@@ -1670,8 +1670,8 @@
       </dsp:nvSpPr>
       <dsp:spPr>
         <a:xfrm>
-          <a:off x="11344816" y="264318"/>
-          <a:ext cx="2698208" cy="1618924"/>
+          <a:off x="11188447" y="243231"/>
+          <a:ext cx="2661018" cy="1596610"/>
         </a:xfrm>
         <a:prstGeom prst="roundRect">
           <a:avLst>
@@ -1732,13 +1732,13 @@
           </a:pPr>
           <a:r>
             <a:rPr lang="en-US" sz="1800" kern="1200" dirty="0"/>
-            <a:t>Take several readings for each queue, through which valid inferences can be made.</a:t>
+            <a:t>Take Several Measurements For Each Queue, Enabling Valid Inferences To Be Made.</a:t>
           </a:r>
         </a:p>
       </dsp:txBody>
       <dsp:txXfrm>
-        <a:off x="11392233" y="311735"/>
-        <a:ext cx="2603374" cy="1524090"/>
+        <a:off x="11235210" y="289994"/>
+        <a:ext cx="2567492" cy="1503084"/>
       </dsp:txXfrm>
     </dsp:sp>
   </dsp:spTree>
@@ -3019,7 +3019,7 @@
           <a:p>
             <a:fld id="{70F0E767-06F5-1743-8250-09BED16D1E0E}" type="datetimeFigureOut">
               <a:rPr lang="en-US" smtClean="0"/>
-              <a:t>6/2/2022</a:t>
+              <a:t>6/6/2022</a:t>
             </a:fld>
             <a:endParaRPr lang="en-US"/>
           </a:p>
@@ -3196,7 +3196,7 @@
           <a:p>
             <a:fld id="{01FC99CA-AF55-2547-B865-ACD414BD3D5B}" type="datetimeFigureOut">
               <a:rPr lang="en-US" smtClean="0"/>
-              <a:t>6/2/2022</a:t>
+              <a:t>6/6/2022</a:t>
             </a:fld>
             <a:endParaRPr lang="en-US"/>
           </a:p>
@@ -3678,7 +3678,7 @@
           <a:p>
             <a:fld id="{0D95E40B-6DE2-BC44-9D41-DAE6D07500F7}" type="datetimeFigureOut">
               <a:rPr lang="en-US" smtClean="0"/>
-              <a:t>6/2/2022</a:t>
+              <a:t>6/6/2022</a:t>
             </a:fld>
             <a:endParaRPr lang="en-US"/>
           </a:p>
@@ -3848,7 +3848,7 @@
           <a:p>
             <a:fld id="{0D95E40B-6DE2-BC44-9D41-DAE6D07500F7}" type="datetimeFigureOut">
               <a:rPr lang="en-US" smtClean="0"/>
-              <a:t>6/2/2022</a:t>
+              <a:t>6/6/2022</a:t>
             </a:fld>
             <a:endParaRPr lang="en-US"/>
           </a:p>
@@ -4028,7 +4028,7 @@
           <a:p>
             <a:fld id="{0D95E40B-6DE2-BC44-9D41-DAE6D07500F7}" type="datetimeFigureOut">
               <a:rPr lang="en-US" smtClean="0"/>
-              <a:t>6/2/2022</a:t>
+              <a:t>6/6/2022</a:t>
             </a:fld>
             <a:endParaRPr lang="en-US"/>
           </a:p>
@@ -4198,7 +4198,7 @@
           <a:p>
             <a:fld id="{0D95E40B-6DE2-BC44-9D41-DAE6D07500F7}" type="datetimeFigureOut">
               <a:rPr lang="en-US" smtClean="0"/>
-              <a:t>6/2/2022</a:t>
+              <a:t>6/6/2022</a:t>
             </a:fld>
             <a:endParaRPr lang="en-US"/>
           </a:p>
@@ -4442,7 +4442,7 @@
           <a:p>
             <a:fld id="{0D95E40B-6DE2-BC44-9D41-DAE6D07500F7}" type="datetimeFigureOut">
               <a:rPr lang="en-US" smtClean="0"/>
-              <a:t>6/2/2022</a:t>
+              <a:t>6/6/2022</a:t>
             </a:fld>
             <a:endParaRPr lang="en-US"/>
           </a:p>
@@ -4674,7 +4674,7 @@
           <a:p>
             <a:fld id="{0D95E40B-6DE2-BC44-9D41-DAE6D07500F7}" type="datetimeFigureOut">
               <a:rPr lang="en-US" smtClean="0"/>
-              <a:t>6/2/2022</a:t>
+              <a:t>6/6/2022</a:t>
             </a:fld>
             <a:endParaRPr lang="en-US"/>
           </a:p>
@@ -5041,7 +5041,7 @@
           <a:p>
             <a:fld id="{0D95E40B-6DE2-BC44-9D41-DAE6D07500F7}" type="datetimeFigureOut">
               <a:rPr lang="en-US" smtClean="0"/>
-              <a:t>6/2/2022</a:t>
+              <a:t>6/6/2022</a:t>
             </a:fld>
             <a:endParaRPr lang="en-US"/>
           </a:p>
@@ -5159,7 +5159,7 @@
           <a:p>
             <a:fld id="{0D95E40B-6DE2-BC44-9D41-DAE6D07500F7}" type="datetimeFigureOut">
               <a:rPr lang="en-US" smtClean="0"/>
-              <a:t>6/2/2022</a:t>
+              <a:t>6/6/2022</a:t>
             </a:fld>
             <a:endParaRPr lang="en-US"/>
           </a:p>
@@ -5254,7 +5254,7 @@
           <a:p>
             <a:fld id="{0D95E40B-6DE2-BC44-9D41-DAE6D07500F7}" type="datetimeFigureOut">
               <a:rPr lang="en-US" smtClean="0"/>
-              <a:t>6/2/2022</a:t>
+              <a:t>6/6/2022</a:t>
             </a:fld>
             <a:endParaRPr lang="en-US"/>
           </a:p>
@@ -5531,7 +5531,7 @@
           <a:p>
             <a:fld id="{0D95E40B-6DE2-BC44-9D41-DAE6D07500F7}" type="datetimeFigureOut">
               <a:rPr lang="en-US" smtClean="0"/>
-              <a:t>6/2/2022</a:t>
+              <a:t>6/6/2022</a:t>
             </a:fld>
             <a:endParaRPr lang="en-US"/>
           </a:p>
@@ -5788,7 +5788,7 @@
           <a:p>
             <a:fld id="{0D95E40B-6DE2-BC44-9D41-DAE6D07500F7}" type="datetimeFigureOut">
               <a:rPr lang="en-US" smtClean="0"/>
-              <a:t>6/2/2022</a:t>
+              <a:t>6/6/2022</a:t>
             </a:fld>
             <a:endParaRPr lang="en-US"/>
           </a:p>
@@ -6001,7 +6001,7 @@
           <a:p>
             <a:fld id="{0D95E40B-6DE2-BC44-9D41-DAE6D07500F7}" type="datetimeFigureOut">
               <a:rPr lang="en-US" smtClean="0"/>
-              <a:t>6/2/2022</a:t>
+              <a:t>6/6/2022</a:t>
             </a:fld>
             <a:endParaRPr lang="en-US"/>
           </a:p>
@@ -6535,7 +6535,7 @@
                 <a:ea typeface="Lato Light" panose="020F0502020204030203" pitchFamily="34" charset="0"/>
                 <a:cs typeface="Lato Light" panose="020F0502020204030203" pitchFamily="34" charset="0"/>
               </a:rPr>
-              <a:t>Supervisor: Dr Kevin Vella</a:t>
+              <a:t>Supervisor: Prof Kevin Vella</a:t>
             </a:r>
           </a:p>
         </p:txBody>
@@ -6598,13 +6598,13 @@
           <p:nvPr>
             <p:extLst>
               <p:ext uri="{D42A27DB-BD31-4B8C-83A1-F6EECF244321}">
-                <p14:modId xmlns:p14="http://schemas.microsoft.com/office/powerpoint/2010/main" val="251843724"/>
+                <p14:modId xmlns:p14="http://schemas.microsoft.com/office/powerpoint/2010/main" val="2772907694"/>
               </p:ext>
             </p:extLst>
           </p:nvPr>
         </p:nvGraphicFramePr>
         <p:xfrm>
-          <a:off x="538164" y="3596391"/>
+          <a:off x="463519" y="3540046"/>
           <a:ext cx="6769099" cy="3835869"/>
         </p:xfrm>
         <a:graphic>
@@ -6628,6 +6628,7 @@
                     <a:bodyPr/>
                     <a:lstStyle/>
                     <a:p>
+                      <a:pPr algn="just"/>
                       <a:r>
                         <a:rPr lang="en-US" sz="2800" b="0" i="1" dirty="0">
                           <a:solidFill>
@@ -6695,7 +6696,7 @@
                     <a:bodyPr/>
                     <a:lstStyle/>
                     <a:p>
-                      <a:pPr marL="0" marR="0" lvl="0" indent="0" algn="l" defTabSz="1511960" rtl="0" eaLnBrk="1" fontAlgn="auto" latinLnBrk="0" hangingPunct="1">
+                      <a:pPr marL="0" marR="0" lvl="0" indent="0" algn="just" defTabSz="1511960" rtl="0" eaLnBrk="1" fontAlgn="auto" latinLnBrk="0" hangingPunct="1">
                         <a:lnSpc>
                           <a:spcPct val="100000"/>
                         </a:lnSpc>
@@ -6727,7 +6728,7 @@
                       </a:endParaRPr>
                     </a:p>
                     <a:p>
-                      <a:pPr marL="0" marR="0" lvl="0" indent="0" algn="l" defTabSz="1511960" rtl="0" eaLnBrk="1" fontAlgn="auto" latinLnBrk="0" hangingPunct="1">
+                      <a:pPr marL="0" marR="0" lvl="0" indent="0" algn="just" defTabSz="1511960" rtl="0" eaLnBrk="1" fontAlgn="auto" latinLnBrk="0" hangingPunct="1">
                         <a:lnSpc>
                           <a:spcPct val="100000"/>
                         </a:lnSpc>
@@ -6751,7 +6752,7 @@
                       </a:endParaRPr>
                     </a:p>
                     <a:p>
-                      <a:pPr marL="0" marR="0" lvl="0" indent="0" algn="l" defTabSz="1511960" rtl="0" eaLnBrk="1" fontAlgn="auto" latinLnBrk="0" hangingPunct="1">
+                      <a:pPr marL="0" marR="0" lvl="0" indent="0" algn="just" defTabSz="1511960" rtl="0" eaLnBrk="1" fontAlgn="auto" latinLnBrk="0" hangingPunct="1">
                         <a:lnSpc>
                           <a:spcPct val="100000"/>
                         </a:lnSpc>
@@ -6778,7 +6779,7 @@
                       </a:r>
                     </a:p>
                     <a:p>
-                      <a:pPr marL="0" marR="0" lvl="0" indent="0" algn="l" defTabSz="1511960" rtl="0" eaLnBrk="1" fontAlgn="auto" latinLnBrk="0" hangingPunct="1">
+                      <a:pPr marL="0" marR="0" lvl="0" indent="0" algn="just" defTabSz="1511960" rtl="0" eaLnBrk="1" fontAlgn="auto" latinLnBrk="0" hangingPunct="1">
                         <a:lnSpc>
                           <a:spcPct val="100000"/>
                         </a:lnSpc>
@@ -6855,196 +6856,6 @@
       </p:graphicFrame>
       <p:graphicFrame>
         <p:nvGraphicFramePr>
-          <p:cNvPr id="27" name="Table 26">
-            <a:extLst>
-              <a:ext uri="{FF2B5EF4-FFF2-40B4-BE49-F238E27FC236}">
-                <a16:creationId xmlns:a16="http://schemas.microsoft.com/office/drawing/2014/main" id="{8AF3251F-B069-FB41-8D62-197A7018650C}"/>
-              </a:ext>
-            </a:extLst>
-          </p:cNvPr>
-          <p:cNvGraphicFramePr>
-            <a:graphicFrameLocks noGrp="1"/>
-          </p:cNvGraphicFramePr>
-          <p:nvPr>
-            <p:extLst>
-              <p:ext uri="{D42A27DB-BD31-4B8C-83A1-F6EECF244321}">
-                <p14:modId xmlns:p14="http://schemas.microsoft.com/office/powerpoint/2010/main" val="3101837773"/>
-              </p:ext>
-            </p:extLst>
-          </p:nvPr>
-        </p:nvGraphicFramePr>
-        <p:xfrm>
-          <a:off x="538161" y="14447123"/>
-          <a:ext cx="14043025" cy="3128053"/>
-        </p:xfrm>
-        <a:graphic>
-          <a:graphicData uri="http://schemas.openxmlformats.org/drawingml/2006/table">
-            <a:tbl>
-              <a:tblPr firstRow="1" bandRow="1">
-                <a:tableStyleId>{2D5ABB26-0587-4C30-8999-92F81FD0307C}</a:tableStyleId>
-              </a:tblPr>
-              <a:tblGrid>
-                <a:gridCol w="14043025">
-                  <a:extLst>
-                    <a:ext uri="{9D8B030D-6E8A-4147-A177-3AD203B41FA5}">
-                      <a16:colId xmlns:a16="http://schemas.microsoft.com/office/drawing/2014/main" val="2430199447"/>
-                    </a:ext>
-                  </a:extLst>
-                </a:gridCol>
-              </a:tblGrid>
-              <a:tr h="540000">
-                <a:tc>
-                  <a:txBody>
-                    <a:bodyPr/>
-                    <a:lstStyle/>
-                    <a:p>
-                      <a:r>
-                        <a:rPr lang="en-US" sz="2800" b="0" i="1" dirty="0">
-                          <a:solidFill>
-                            <a:srgbClr val="BA0C2F"/>
-                          </a:solidFill>
-                          <a:latin typeface="Lato Light" panose="020F0502020204030203" pitchFamily="34" charset="0"/>
-                          <a:ea typeface="Lato Light" panose="020F0502020204030203" pitchFamily="34" charset="0"/>
-                          <a:cs typeface="Lato Light" panose="020F0502020204030203" pitchFamily="34" charset="0"/>
-                        </a:rPr>
-                        <a:t>RESULTS</a:t>
-                      </a:r>
-                    </a:p>
-                  </a:txBody>
-                  <a:tcPr anchor="ctr">
-                    <a:lnL w="12700" cap="flat" cmpd="sng" algn="ctr">
-                      <a:noFill/>
-                      <a:prstDash val="solid"/>
-                      <a:round/>
-                      <a:headEnd type="none" w="med" len="med"/>
-                      <a:tailEnd type="none" w="med" len="med"/>
-                    </a:lnL>
-                    <a:lnR w="12700" cap="flat" cmpd="sng" algn="ctr">
-                      <a:noFill/>
-                      <a:prstDash val="solid"/>
-                      <a:round/>
-                      <a:headEnd type="none" w="med" len="med"/>
-                      <a:tailEnd type="none" w="med" len="med"/>
-                    </a:lnR>
-                    <a:lnT w="12700" cap="flat" cmpd="sng" algn="ctr">
-                      <a:noFill/>
-                      <a:prstDash val="solid"/>
-                      <a:round/>
-                      <a:headEnd type="none" w="med" len="med"/>
-                      <a:tailEnd type="none" w="med" len="med"/>
-                    </a:lnT>
-                    <a:lnB w="9525" cap="flat" cmpd="sng" algn="ctr">
-                      <a:solidFill>
-                        <a:srgbClr val="BA0C2F"/>
-                      </a:solidFill>
-                      <a:prstDash val="solid"/>
-                      <a:round/>
-                      <a:headEnd type="none" w="med" len="med"/>
-                      <a:tailEnd type="none" w="med" len="med"/>
-                    </a:lnB>
-                    <a:lnTlToBr w="12700" cmpd="sng">
-                      <a:noFill/>
-                      <a:prstDash val="solid"/>
-                    </a:lnTlToBr>
-                    <a:lnBlToTr w="12700" cmpd="sng">
-                      <a:noFill/>
-                      <a:prstDash val="solid"/>
-                    </a:lnBlToTr>
-                    <a:noFill/>
-                  </a:tcPr>
-                </a:tc>
-                <a:extLst>
-                  <a:ext uri="{0D108BD9-81ED-4DB2-BD59-A6C34878D82A}">
-                    <a16:rowId xmlns:a16="http://schemas.microsoft.com/office/drawing/2014/main" val="2572550161"/>
-                  </a:ext>
-                </a:extLst>
-              </a:tr>
-              <a:tr h="2588053">
-                <a:tc>
-                  <a:txBody>
-                    <a:bodyPr/>
-                    <a:lstStyle/>
-                    <a:p>
-                      <a:pPr marL="0" marR="0" lvl="0" indent="0" algn="l" defTabSz="1511960" rtl="0" eaLnBrk="1" fontAlgn="auto" latinLnBrk="0" hangingPunct="1">
-                        <a:lnSpc>
-                          <a:spcPct val="100000"/>
-                        </a:lnSpc>
-                        <a:spcBef>
-                          <a:spcPts val="0"/>
-                        </a:spcBef>
-                        <a:spcAft>
-                          <a:spcPts val="0"/>
-                        </a:spcAft>
-                        <a:buClrTx/>
-                        <a:buSzTx/>
-                        <a:buFontTx/>
-                        <a:buNone/>
-                        <a:tabLst/>
-                        <a:defRPr/>
-                      </a:pPr>
-                      <a:r>
-                        <a:rPr lang="en-GB" sz="1600" dirty="0">
-                          <a:latin typeface="Lato" panose="020F0502020204030203" pitchFamily="34" charset="0"/>
-                          <a:ea typeface="Lato" panose="020F0502020204030203" pitchFamily="34" charset="0"/>
-                          <a:cs typeface="Lato" panose="020F0502020204030203" pitchFamily="34" charset="0"/>
-                        </a:rPr>
-                        <a:t>Using readings produced by the benchmarking framework, concurrent queues with the ‘Blocking’ algorithmic property were found to be competitive with concurrent queues possessing the ‘Non-Blocking’ Property at small numbers of threads, however, ‘Blocking’ queues were several magnitudes slower than their ‘Non-Blocking’ counterpart during intense artificial workloads, further demonstrating the superiority of ‘Non-Blocking’ queues and their resistance to delays attributed to busy systems.</a:t>
-                      </a:r>
-                    </a:p>
-                  </a:txBody>
-                  <a:tcPr>
-                    <a:lnL w="12700" cap="flat" cmpd="sng" algn="ctr">
-                      <a:noFill/>
-                      <a:prstDash val="solid"/>
-                      <a:round/>
-                      <a:headEnd type="none" w="med" len="med"/>
-                      <a:tailEnd type="none" w="med" len="med"/>
-                    </a:lnL>
-                    <a:lnR w="12700" cap="flat" cmpd="sng" algn="ctr">
-                      <a:noFill/>
-                      <a:prstDash val="solid"/>
-                      <a:round/>
-                      <a:headEnd type="none" w="med" len="med"/>
-                      <a:tailEnd type="none" w="med" len="med"/>
-                    </a:lnR>
-                    <a:lnT w="9525" cap="flat" cmpd="sng" algn="ctr">
-                      <a:solidFill>
-                        <a:srgbClr val="BA0C2F"/>
-                      </a:solidFill>
-                      <a:prstDash val="solid"/>
-                      <a:round/>
-                      <a:headEnd type="none" w="med" len="med"/>
-                      <a:tailEnd type="none" w="med" len="med"/>
-                    </a:lnT>
-                    <a:lnB w="12700" cap="flat" cmpd="sng" algn="ctr">
-                      <a:noFill/>
-                      <a:prstDash val="solid"/>
-                      <a:round/>
-                      <a:headEnd type="none" w="med" len="med"/>
-                      <a:tailEnd type="none" w="med" len="med"/>
-                    </a:lnB>
-                    <a:lnTlToBr w="12700" cmpd="sng">
-                      <a:noFill/>
-                      <a:prstDash val="solid"/>
-                    </a:lnTlToBr>
-                    <a:lnBlToTr w="12700" cmpd="sng">
-                      <a:noFill/>
-                      <a:prstDash val="solid"/>
-                    </a:lnBlToTr>
-                  </a:tcPr>
-                </a:tc>
-                <a:extLst>
-                  <a:ext uri="{0D108BD9-81ED-4DB2-BD59-A6C34878D82A}">
-                    <a16:rowId xmlns:a16="http://schemas.microsoft.com/office/drawing/2014/main" val="326102250"/>
-                  </a:ext>
-                </a:extLst>
-              </a:tr>
-            </a:tbl>
-          </a:graphicData>
-        </a:graphic>
-      </p:graphicFrame>
-      <p:graphicFrame>
-        <p:nvGraphicFramePr>
           <p:cNvPr id="32" name="Table 31">
             <a:extLst>
               <a:ext uri="{FF2B5EF4-FFF2-40B4-BE49-F238E27FC236}">
@@ -7058,13 +6869,13 @@
           <p:nvPr>
             <p:extLst>
               <p:ext uri="{D42A27DB-BD31-4B8C-83A1-F6EECF244321}">
-                <p14:modId xmlns:p14="http://schemas.microsoft.com/office/powerpoint/2010/main" val="1065134077"/>
+                <p14:modId xmlns:p14="http://schemas.microsoft.com/office/powerpoint/2010/main" val="4228037066"/>
               </p:ext>
             </p:extLst>
           </p:nvPr>
         </p:nvGraphicFramePr>
         <p:xfrm>
-          <a:off x="7845427" y="17807674"/>
+          <a:off x="7998686" y="17749906"/>
           <a:ext cx="6735761" cy="3557520"/>
         </p:xfrm>
         <a:graphic>
@@ -7385,13 +7196,13 @@
           <p:nvPr>
             <p:extLst>
               <p:ext uri="{D42A27DB-BD31-4B8C-83A1-F6EECF244321}">
-                <p14:modId xmlns:p14="http://schemas.microsoft.com/office/powerpoint/2010/main" val="1117352906"/>
+                <p14:modId xmlns:p14="http://schemas.microsoft.com/office/powerpoint/2010/main" val="2002253097"/>
               </p:ext>
             </p:extLst>
           </p:nvPr>
         </p:nvGraphicFramePr>
         <p:xfrm>
-          <a:off x="570316" y="11169917"/>
+          <a:off x="432089" y="10956287"/>
           <a:ext cx="14010871" cy="540000"/>
         </p:xfrm>
         <a:graphic>
@@ -7495,14 +7306,14 @@
           <p:nvPr>
             <p:extLst>
               <p:ext uri="{D42A27DB-BD31-4B8C-83A1-F6EECF244321}">
-                <p14:modId xmlns:p14="http://schemas.microsoft.com/office/powerpoint/2010/main" val="793619173"/>
+                <p14:modId xmlns:p14="http://schemas.microsoft.com/office/powerpoint/2010/main" val="3539553913"/>
               </p:ext>
             </p:extLst>
           </p:nvPr>
         </p:nvGraphicFramePr>
         <p:xfrm>
-          <a:off x="570316" y="17747350"/>
-          <a:ext cx="6736947" cy="3313680"/>
+          <a:off x="7998686" y="13573383"/>
+          <a:ext cx="6736947" cy="3557520"/>
         </p:xfrm>
         <a:graphic>
           <a:graphicData uri="http://schemas.openxmlformats.org/drawingml/2006/table">
@@ -7534,7 +7345,7 @@
                           <a:ea typeface="Lato Light" panose="020F0502020204030203" pitchFamily="34" charset="0"/>
                           <a:cs typeface="Lato Light" panose="020F0502020204030203" pitchFamily="34" charset="0"/>
                         </a:rPr>
-                        <a:t>CONCLUSIONS AND FUTURE WORK</a:t>
+                        <a:t>RESULTS &amp; CONCLUSIONS</a:t>
                       </a:r>
                     </a:p>
                   </a:txBody>
@@ -7610,13 +7421,18 @@
                         <a:defRPr/>
                       </a:pPr>
                       <a:r>
-                        <a:rPr lang="en-US" sz="1600" dirty="0">
+                        <a:rPr lang="en-GB" sz="1600" dirty="0">
                           <a:latin typeface="Lato" panose="020F0502020204030203" pitchFamily="34" charset="0"/>
                           <a:ea typeface="Lato" panose="020F0502020204030203" pitchFamily="34" charset="0"/>
                           <a:cs typeface="Lato" panose="020F0502020204030203" pitchFamily="34" charset="0"/>
                         </a:rPr>
-                        <a:t>A benchmarking framework for concurrent queues, together with several implementations of existing concurrent queueing algorithms are contributed. Some findings of researchers, such as the resilience to delay in ‘Non-Blocking’ queues [2] and claims of specific queues outperforming other queues are replicated [3, 4].</a:t>
+                        <a:t>Concurrent queues with the ‘Blocking’ algorithmic property were found to be competitive with concurrent queues possessing the ‘Non-Blocking’ Property at small numbers of threads. During intense workloads, ‘Blocking’ queues were several magnitudes slower than their ‘Non-Blocking’, demonstrating the superiority of ‘Non-Blocking’ queues, and their resistance to delays attributed to busy systems.</a:t>
                       </a:r>
+                      <a:endParaRPr lang="en-US" sz="1600" dirty="0">
+                        <a:latin typeface="Lato" panose="020F0502020204030203" pitchFamily="34" charset="0"/>
+                        <a:ea typeface="Lato" panose="020F0502020204030203" pitchFamily="34" charset="0"/>
+                        <a:cs typeface="Lato" panose="020F0502020204030203" pitchFamily="34" charset="0"/>
+                      </a:endParaRPr>
                     </a:p>
                     <a:p>
                       <a:pPr marL="0" marR="0" lvl="0" indent="0" algn="l" defTabSz="1511960" rtl="0" eaLnBrk="1" fontAlgn="auto" latinLnBrk="0" hangingPunct="1">
@@ -7666,7 +7482,7 @@
                           <a:ea typeface="Lato" panose="020F0502020204030203" pitchFamily="34" charset="0"/>
                           <a:cs typeface="Lato" panose="020F0502020204030203" pitchFamily="34" charset="0"/>
                         </a:rPr>
-                        <a:t>The contributions of this study can be further expanded by formally verifying the correctness of the queueing implementations, together with adding a more sophisticated monitoring and observability infrastructure to the benchmarking framework, allowing for a more fine-grained understanding of measurements with low observation costs.</a:t>
+                        <a:t>A benchmarking framework for concurrent queues, together with several implementations of existing concurrent queueing algorithms are contributed. Several findings of researchers (such as resilience to delay in ‘Non-Blocking’ queues [2]) and claims of specific queues outperforming other queues are replicated [3, 4].</a:t>
                       </a:r>
                     </a:p>
                   </a:txBody>
@@ -7736,14 +7552,14 @@
           <p:nvPr>
             <p:extLst>
               <p:ext uri="{D42A27DB-BD31-4B8C-83A1-F6EECF244321}">
-                <p14:modId xmlns:p14="http://schemas.microsoft.com/office/powerpoint/2010/main" val="475976442"/>
+                <p14:modId xmlns:p14="http://schemas.microsoft.com/office/powerpoint/2010/main" val="2272238661"/>
               </p:ext>
             </p:extLst>
           </p:nvPr>
         </p:nvGraphicFramePr>
         <p:xfrm>
-          <a:off x="570316" y="7981902"/>
-          <a:ext cx="6736947" cy="2737747"/>
+          <a:off x="495671" y="6686059"/>
+          <a:ext cx="6736947" cy="4511040"/>
         </p:xfrm>
         <a:graphic>
           <a:graphicData uri="http://schemas.openxmlformats.org/drawingml/2006/table">
@@ -7760,13 +7576,13 @@
                   </a:extLst>
                 </a:gridCol>
               </a:tblGrid>
-              <a:tr h="490324">
+              <a:tr h="367528">
                 <a:tc>
                   <a:txBody>
                     <a:bodyPr/>
                     <a:lstStyle/>
                     <a:p>
-                      <a:pPr algn="l"/>
+                      <a:pPr algn="just"/>
                       <a:r>
                         <a:rPr lang="en-US" sz="2800" b="0" i="1" dirty="0">
                           <a:solidFill>
@@ -7834,7 +7650,7 @@
                     <a:bodyPr/>
                     <a:lstStyle/>
                     <a:p>
-                      <a:pPr marL="0" marR="0" lvl="0" indent="0" algn="l" defTabSz="1511960" rtl="0" eaLnBrk="1" fontAlgn="auto" latinLnBrk="0" hangingPunct="1">
+                      <a:pPr marL="0" marR="0" lvl="0" indent="0" algn="just" defTabSz="1511960" rtl="0" eaLnBrk="1" fontAlgn="auto" latinLnBrk="0" hangingPunct="1">
                         <a:lnSpc>
                           <a:spcPct val="100000"/>
                         </a:lnSpc>
@@ -7857,8 +7673,135 @@
                           <a:ea typeface="Lato" panose="020F0502020204030203" pitchFamily="34" charset="0"/>
                           <a:cs typeface="Lato" panose="020F0502020204030203" pitchFamily="34" charset="0"/>
                         </a:rPr>
-                        <a:t>Several concurrent queuing algorithms, together with a benchmarking framework are implemented following methodologies based on prior art. In addition to the validation of results, all measurements taken are compared amongst each other and their original works.</a:t>
+                        <a:t>Several concurrent queuing algorithms, together with a benchmarking framework capable of producing artificial workloads of varying intensities, are implemented following methodologies based on prior art. A statistically rigorous approach is taken to quantify the reproducibility of each experiment, making the results of the framework more veracious. All measurements taken are compared amongst each other and their seminal works. For these reasons, this study’s research objectives are the following:</a:t>
                       </a:r>
+                    </a:p>
+                    <a:p>
+                      <a:pPr marL="342900" marR="0" lvl="0" indent="-342900" algn="just" defTabSz="1511960" rtl="0" eaLnBrk="1" fontAlgn="auto" latinLnBrk="0" hangingPunct="1">
+                        <a:lnSpc>
+                          <a:spcPct val="100000"/>
+                        </a:lnSpc>
+                        <a:spcBef>
+                          <a:spcPts val="0"/>
+                        </a:spcBef>
+                        <a:spcAft>
+                          <a:spcPts val="0"/>
+                        </a:spcAft>
+                        <a:buClrTx/>
+                        <a:buSzTx/>
+                        <a:buFont typeface="+mj-lt"/>
+                        <a:buAutoNum type="arabicPeriod"/>
+                        <a:tabLst/>
+                        <a:defRPr/>
+                      </a:pPr>
+                      <a:r>
+                        <a:rPr lang="en-GB" sz="1600" dirty="0">
+                          <a:latin typeface="Lato" panose="020F0502020204030203" pitchFamily="34" charset="0"/>
+                          <a:ea typeface="Lato" panose="020F0502020204030203" pitchFamily="34" charset="0"/>
+                          <a:cs typeface="Lato" panose="020F0502020204030203" pitchFamily="34" charset="0"/>
+                        </a:rPr>
+                        <a:t>Implement a benchmarking framework for concurrent queueing algorithms;</a:t>
+                      </a:r>
+                    </a:p>
+                    <a:p>
+                      <a:pPr marL="342900" marR="0" lvl="0" indent="-342900" algn="just" defTabSz="1511960" rtl="0" eaLnBrk="1" fontAlgn="auto" latinLnBrk="0" hangingPunct="1">
+                        <a:lnSpc>
+                          <a:spcPct val="100000"/>
+                        </a:lnSpc>
+                        <a:spcBef>
+                          <a:spcPts val="0"/>
+                        </a:spcBef>
+                        <a:spcAft>
+                          <a:spcPts val="0"/>
+                        </a:spcAft>
+                        <a:buClrTx/>
+                        <a:buSzTx/>
+                        <a:buFont typeface="+mj-lt"/>
+                        <a:buAutoNum type="arabicPeriod"/>
+                        <a:tabLst/>
+                        <a:defRPr/>
+                      </a:pPr>
+                      <a:r>
+                        <a:rPr lang="en-GB" sz="1600" dirty="0">
+                          <a:latin typeface="Lato" panose="020F0502020204030203" pitchFamily="34" charset="0"/>
+                          <a:ea typeface="Lato" panose="020F0502020204030203" pitchFamily="34" charset="0"/>
+                          <a:cs typeface="Lato" panose="020F0502020204030203" pitchFamily="34" charset="0"/>
+                        </a:rPr>
+                        <a:t>Reasonably validate results through metrics and experiments;</a:t>
+                      </a:r>
+                    </a:p>
+                    <a:p>
+                      <a:pPr marL="342900" marR="0" lvl="0" indent="-342900" algn="just" defTabSz="1511960" rtl="0" eaLnBrk="1" fontAlgn="auto" latinLnBrk="0" hangingPunct="1">
+                        <a:lnSpc>
+                          <a:spcPct val="100000"/>
+                        </a:lnSpc>
+                        <a:spcBef>
+                          <a:spcPts val="0"/>
+                        </a:spcBef>
+                        <a:spcAft>
+                          <a:spcPts val="0"/>
+                        </a:spcAft>
+                        <a:buClrTx/>
+                        <a:buSzTx/>
+                        <a:buFont typeface="+mj-lt"/>
+                        <a:buAutoNum type="arabicPeriod"/>
+                        <a:tabLst/>
+                        <a:defRPr/>
+                      </a:pPr>
+                      <a:r>
+                        <a:rPr lang="en-GB" sz="1600" dirty="0">
+                          <a:latin typeface="Lato" panose="020F0502020204030203" pitchFamily="34" charset="0"/>
+                          <a:ea typeface="Lato" panose="020F0502020204030203" pitchFamily="34" charset="0"/>
+                          <a:cs typeface="Lato" panose="020F0502020204030203" pitchFamily="34" charset="0"/>
+                        </a:rPr>
+                        <a:t>Implement a variety of concurrent queueing algorithms, with the aim of replicating their original results;</a:t>
+                      </a:r>
+                    </a:p>
+                    <a:p>
+                      <a:pPr marL="342900" marR="0" lvl="0" indent="-342900" algn="just" defTabSz="1511960" rtl="0" eaLnBrk="1" fontAlgn="auto" latinLnBrk="0" hangingPunct="1">
+                        <a:lnSpc>
+                          <a:spcPct val="100000"/>
+                        </a:lnSpc>
+                        <a:spcBef>
+                          <a:spcPts val="0"/>
+                        </a:spcBef>
+                        <a:spcAft>
+                          <a:spcPts val="0"/>
+                        </a:spcAft>
+                        <a:buClrTx/>
+                        <a:buSzTx/>
+                        <a:buFont typeface="+mj-lt"/>
+                        <a:buAutoNum type="arabicPeriod"/>
+                        <a:tabLst/>
+                        <a:defRPr/>
+                      </a:pPr>
+                      <a:r>
+                        <a:rPr lang="en-GB" sz="1600" dirty="0">
+                          <a:latin typeface="Lato" panose="020F0502020204030203" pitchFamily="34" charset="0"/>
+                          <a:ea typeface="Lato" panose="020F0502020204030203" pitchFamily="34" charset="0"/>
+                          <a:cs typeface="Lato" panose="020F0502020204030203" pitchFamily="34" charset="0"/>
+                        </a:rPr>
+                        <a:t>Critically evaluate the performance of each concurrent queueing algorithm under a variety of synthetic benchmarks;</a:t>
+                      </a:r>
+                    </a:p>
+                    <a:p>
+                      <a:pPr marL="342900" marR="0" lvl="0" indent="-342900" algn="just" defTabSz="1511960" rtl="0" eaLnBrk="1" fontAlgn="auto" latinLnBrk="0" hangingPunct="1">
+                        <a:lnSpc>
+                          <a:spcPct val="100000"/>
+                        </a:lnSpc>
+                        <a:spcBef>
+                          <a:spcPts val="0"/>
+                        </a:spcBef>
+                        <a:spcAft>
+                          <a:spcPts val="0"/>
+                        </a:spcAft>
+                        <a:buClrTx/>
+                        <a:buSzTx/>
+                        <a:buFont typeface="+mj-lt"/>
+                        <a:buAutoNum type="arabicPeriod"/>
+                        <a:tabLst/>
+                        <a:defRPr/>
+                      </a:pPr>
                       <a:endParaRPr lang="en-US" sz="1600" dirty="0">
                         <a:latin typeface="Lato" panose="020F0502020204030203" pitchFamily="34" charset="0"/>
                         <a:ea typeface="Lato" panose="020F0502020204030203" pitchFamily="34" charset="0"/>
@@ -7932,7 +7875,7 @@
           <p:nvPr>
             <p:extLst>
               <p:ext uri="{D42A27DB-BD31-4B8C-83A1-F6EECF244321}">
-                <p14:modId xmlns:p14="http://schemas.microsoft.com/office/powerpoint/2010/main" val="3076242924"/>
+                <p14:modId xmlns:p14="http://schemas.microsoft.com/office/powerpoint/2010/main" val="739195815"/>
               </p:ext>
             </p:extLst>
           </p:nvPr>
@@ -7971,7 +7914,7 @@
                           <a:ea typeface="Lato Light" panose="020F0502020204030203" pitchFamily="34" charset="0"/>
                           <a:cs typeface="Lato Light" panose="020F0502020204030203" pitchFamily="34" charset="0"/>
                         </a:rPr>
-                        <a:t>ARCHITECTURE DESIGN</a:t>
+                        <a:t>BENCHMARKING FRAMEWORK DESIGN</a:t>
                       </a:r>
                     </a:p>
                   </a:txBody>
@@ -8040,14 +7983,14 @@
           <p:nvPr>
             <p:extLst>
               <p:ext uri="{D42A27DB-BD31-4B8C-83A1-F6EECF244321}">
-                <p14:modId xmlns:p14="http://schemas.microsoft.com/office/powerpoint/2010/main" val="3257575819"/>
+                <p14:modId xmlns:p14="http://schemas.microsoft.com/office/powerpoint/2010/main" val="3512788998"/>
               </p:ext>
             </p:extLst>
           </p:nvPr>
         </p:nvGraphicFramePr>
         <p:xfrm>
-          <a:off x="538161" y="11865400"/>
-          <a:ext cx="14043025" cy="2147561"/>
+          <a:off x="432089" y="11502978"/>
+          <a:ext cx="13849466" cy="2083074"/>
         </p:xfrm>
         <a:graphic>
           <a:graphicData uri="http://schemas.openxmlformats.org/drawingml/2006/diagram">
@@ -8141,7 +8084,7 @@
       </p:sp>
       <p:pic>
         <p:nvPicPr>
-          <p:cNvPr id="3" name="Picture 2" descr="Diagram&#10;&#10;Description automatically generated">
+          <p:cNvPr id="3" name="Picture 2">
             <a:extLst>
               <a:ext uri="{FF2B5EF4-FFF2-40B4-BE49-F238E27FC236}">
                 <a16:creationId xmlns:a16="http://schemas.microsoft.com/office/drawing/2014/main" id="{F324EA1C-1559-50B1-081F-4492F46BB7DD}"/>
@@ -8155,14 +8098,43 @@
         </p:nvPicPr>
         <p:blipFill>
           <a:blip r:embed="rId9"/>
+          <a:srcRect/>
+          <a:stretch/>
+        </p:blipFill>
+        <p:spPr>
+          <a:xfrm>
+            <a:off x="7998686" y="5457980"/>
+            <a:ext cx="6444274" cy="4696492"/>
+          </a:xfrm>
+          <a:prstGeom prst="rect">
+            <a:avLst/>
+          </a:prstGeom>
+        </p:spPr>
+      </p:pic>
+      <p:pic>
+        <p:nvPicPr>
+          <p:cNvPr id="8" name="Picture 7" descr="Chart, line chart&#10;&#10;Description automatically generated">
+            <a:extLst>
+              <a:ext uri="{FF2B5EF4-FFF2-40B4-BE49-F238E27FC236}">
+                <a16:creationId xmlns:a16="http://schemas.microsoft.com/office/drawing/2014/main" id="{419225D3-AC91-3E46-5786-3453441D41DF}"/>
+              </a:ext>
+            </a:extLst>
+          </p:cNvPr>
+          <p:cNvPicPr>
+            <a:picLocks noChangeAspect="1"/>
+          </p:cNvPicPr>
+          <p:nvPr/>
+        </p:nvPicPr>
+        <p:blipFill>
+          <a:blip r:embed="rId10"/>
           <a:stretch>
             <a:fillRect/>
           </a:stretch>
         </p:blipFill>
         <p:spPr>
           <a:xfrm>
-            <a:off x="7733691" y="4904591"/>
-            <a:ext cx="6847497" cy="5055338"/>
+            <a:off x="93784" y="14216037"/>
+            <a:ext cx="7602981" cy="6092365"/>
           </a:xfrm>
           <a:prstGeom prst="rect">
             <a:avLst/>

--- a/write_up/poster/poster_lucamuscat.pptx
+++ b/write_up/poster/poster_lucamuscat.pptx
@@ -3019,7 +3019,7 @@
           <a:p>
             <a:fld id="{70F0E767-06F5-1743-8250-09BED16D1E0E}" type="datetimeFigureOut">
               <a:rPr lang="en-US" smtClean="0"/>
-              <a:t>6/6/2022</a:t>
+              <a:t>6/9/2022</a:t>
             </a:fld>
             <a:endParaRPr lang="en-US"/>
           </a:p>
@@ -3196,7 +3196,7 @@
           <a:p>
             <a:fld id="{01FC99CA-AF55-2547-B865-ACD414BD3D5B}" type="datetimeFigureOut">
               <a:rPr lang="en-US" smtClean="0"/>
-              <a:t>6/6/2022</a:t>
+              <a:t>6/9/2022</a:t>
             </a:fld>
             <a:endParaRPr lang="en-US"/>
           </a:p>
@@ -3678,7 +3678,7 @@
           <a:p>
             <a:fld id="{0D95E40B-6DE2-BC44-9D41-DAE6D07500F7}" type="datetimeFigureOut">
               <a:rPr lang="en-US" smtClean="0"/>
-              <a:t>6/6/2022</a:t>
+              <a:t>6/9/2022</a:t>
             </a:fld>
             <a:endParaRPr lang="en-US"/>
           </a:p>
@@ -3848,7 +3848,7 @@
           <a:p>
             <a:fld id="{0D95E40B-6DE2-BC44-9D41-DAE6D07500F7}" type="datetimeFigureOut">
               <a:rPr lang="en-US" smtClean="0"/>
-              <a:t>6/6/2022</a:t>
+              <a:t>6/9/2022</a:t>
             </a:fld>
             <a:endParaRPr lang="en-US"/>
           </a:p>
@@ -4028,7 +4028,7 @@
           <a:p>
             <a:fld id="{0D95E40B-6DE2-BC44-9D41-DAE6D07500F7}" type="datetimeFigureOut">
               <a:rPr lang="en-US" smtClean="0"/>
-              <a:t>6/6/2022</a:t>
+              <a:t>6/9/2022</a:t>
             </a:fld>
             <a:endParaRPr lang="en-US"/>
           </a:p>
@@ -4198,7 +4198,7 @@
           <a:p>
             <a:fld id="{0D95E40B-6DE2-BC44-9D41-DAE6D07500F7}" type="datetimeFigureOut">
               <a:rPr lang="en-US" smtClean="0"/>
-              <a:t>6/6/2022</a:t>
+              <a:t>6/9/2022</a:t>
             </a:fld>
             <a:endParaRPr lang="en-US"/>
           </a:p>
@@ -4442,7 +4442,7 @@
           <a:p>
             <a:fld id="{0D95E40B-6DE2-BC44-9D41-DAE6D07500F7}" type="datetimeFigureOut">
               <a:rPr lang="en-US" smtClean="0"/>
-              <a:t>6/6/2022</a:t>
+              <a:t>6/9/2022</a:t>
             </a:fld>
             <a:endParaRPr lang="en-US"/>
           </a:p>
@@ -4674,7 +4674,7 @@
           <a:p>
             <a:fld id="{0D95E40B-6DE2-BC44-9D41-DAE6D07500F7}" type="datetimeFigureOut">
               <a:rPr lang="en-US" smtClean="0"/>
-              <a:t>6/6/2022</a:t>
+              <a:t>6/9/2022</a:t>
             </a:fld>
             <a:endParaRPr lang="en-US"/>
           </a:p>
@@ -5041,7 +5041,7 @@
           <a:p>
             <a:fld id="{0D95E40B-6DE2-BC44-9D41-DAE6D07500F7}" type="datetimeFigureOut">
               <a:rPr lang="en-US" smtClean="0"/>
-              <a:t>6/6/2022</a:t>
+              <a:t>6/9/2022</a:t>
             </a:fld>
             <a:endParaRPr lang="en-US"/>
           </a:p>
@@ -5159,7 +5159,7 @@
           <a:p>
             <a:fld id="{0D95E40B-6DE2-BC44-9D41-DAE6D07500F7}" type="datetimeFigureOut">
               <a:rPr lang="en-US" smtClean="0"/>
-              <a:t>6/6/2022</a:t>
+              <a:t>6/9/2022</a:t>
             </a:fld>
             <a:endParaRPr lang="en-US"/>
           </a:p>
@@ -5254,7 +5254,7 @@
           <a:p>
             <a:fld id="{0D95E40B-6DE2-BC44-9D41-DAE6D07500F7}" type="datetimeFigureOut">
               <a:rPr lang="en-US" smtClean="0"/>
-              <a:t>6/6/2022</a:t>
+              <a:t>6/9/2022</a:t>
             </a:fld>
             <a:endParaRPr lang="en-US"/>
           </a:p>
@@ -5531,7 +5531,7 @@
           <a:p>
             <a:fld id="{0D95E40B-6DE2-BC44-9D41-DAE6D07500F7}" type="datetimeFigureOut">
               <a:rPr lang="en-US" smtClean="0"/>
-              <a:t>6/6/2022</a:t>
+              <a:t>6/9/2022</a:t>
             </a:fld>
             <a:endParaRPr lang="en-US"/>
           </a:p>
@@ -5788,7 +5788,7 @@
           <a:p>
             <a:fld id="{0D95E40B-6DE2-BC44-9D41-DAE6D07500F7}" type="datetimeFigureOut">
               <a:rPr lang="en-US" smtClean="0"/>
-              <a:t>6/6/2022</a:t>
+              <a:t>6/9/2022</a:t>
             </a:fld>
             <a:endParaRPr lang="en-US"/>
           </a:p>
@@ -6001,7 +6001,7 @@
           <a:p>
             <a:fld id="{0D95E40B-6DE2-BC44-9D41-DAE6D07500F7}" type="datetimeFigureOut">
               <a:rPr lang="en-US" smtClean="0"/>
-              <a:t>6/6/2022</a:t>
+              <a:t>6/9/2022</a:t>
             </a:fld>
             <a:endParaRPr lang="en-US"/>
           </a:p>
@@ -8104,7 +8104,7 @@
         <p:spPr>
           <a:xfrm>
             <a:off x="7998686" y="5457980"/>
-            <a:ext cx="6444274" cy="4696492"/>
+            <a:ext cx="6444273" cy="4696492"/>
           </a:xfrm>
           <a:prstGeom prst="rect">
             <a:avLst/>
